--- a/RealTimeMonitoringWithPowerBi/Real Time Monitoring with Power BI.pptx
+++ b/RealTimeMonitoringWithPowerBi/Real Time Monitoring with Power BI.pptx
@@ -5,24 +5,26 @@
     <p:sldMasterId id="2147483840" r:id="rId1"/>
   </p:sldMasterIdLst>
   <p:notesMasterIdLst>
-    <p:notesMasterId r:id="rId17"/>
+    <p:notesMasterId r:id="rId19"/>
   </p:notesMasterIdLst>
   <p:sldIdLst>
     <p:sldId id="256" r:id="rId2"/>
     <p:sldId id="258" r:id="rId3"/>
     <p:sldId id="257" r:id="rId4"/>
-    <p:sldId id="259" r:id="rId5"/>
-    <p:sldId id="260" r:id="rId6"/>
-    <p:sldId id="263" r:id="rId7"/>
-    <p:sldId id="264" r:id="rId8"/>
-    <p:sldId id="271" r:id="rId9"/>
-    <p:sldId id="265" r:id="rId10"/>
-    <p:sldId id="266" r:id="rId11"/>
-    <p:sldId id="262" r:id="rId12"/>
-    <p:sldId id="267" r:id="rId13"/>
-    <p:sldId id="268" r:id="rId14"/>
-    <p:sldId id="269" r:id="rId15"/>
-    <p:sldId id="261" r:id="rId16"/>
+    <p:sldId id="272" r:id="rId5"/>
+    <p:sldId id="259" r:id="rId6"/>
+    <p:sldId id="260" r:id="rId7"/>
+    <p:sldId id="263" r:id="rId8"/>
+    <p:sldId id="264" r:id="rId9"/>
+    <p:sldId id="271" r:id="rId10"/>
+    <p:sldId id="265" r:id="rId11"/>
+    <p:sldId id="266" r:id="rId12"/>
+    <p:sldId id="262" r:id="rId13"/>
+    <p:sldId id="273" r:id="rId14"/>
+    <p:sldId id="267" r:id="rId15"/>
+    <p:sldId id="268" r:id="rId16"/>
+    <p:sldId id="269" r:id="rId17"/>
+    <p:sldId id="261" r:id="rId18"/>
   </p:sldIdLst>
   <p:sldSz cx="12192000" cy="6858000"/>
   <p:notesSz cx="6858000" cy="9144000"/>
@@ -36129,7 +36131,7 @@
           <a:p>
             <a:fld id="{A12622C1-64F1-4C62-90CA-7460260A6766}" type="datetimeFigureOut">
               <a:rPr lang="en-US" smtClean="0"/>
-              <a:t>8/8/2019</a:t>
+              <a:t>8/9/2019</a:t>
             </a:fld>
             <a:endParaRPr lang="en-US"/>
           </a:p>
@@ -36470,7 +36472,7 @@
           <a:p>
             <a:fld id="{BF9C8D97-66AF-4DFC-86F0-4411952E586A}" type="slidenum">
               <a:rPr lang="en-US" smtClean="0"/>
-              <a:t>5</a:t>
+              <a:t>6</a:t>
             </a:fld>
             <a:endParaRPr lang="en-US"/>
           </a:p>
@@ -36563,7 +36565,7 @@
           <a:p>
             <a:fld id="{BF9C8D97-66AF-4DFC-86F0-4411952E586A}" type="slidenum">
               <a:rPr lang="en-US" smtClean="0"/>
-              <a:t>6</a:t>
+              <a:t>7</a:t>
             </a:fld>
             <a:endParaRPr lang="en-US"/>
           </a:p>
@@ -36628,13 +36630,21 @@
           <a:p>
             <a:r>
               <a:rPr lang="en-US" dirty="0"/>
-              <a:t>Speed of your car, credit card transaction processing, dynamic pricing, sensor readings</a:t>
+              <a:t>Floating point – only</a:t>
             </a:r>
           </a:p>
           <a:p>
             <a:r>
               <a:rPr lang="en-US" dirty="0"/>
-              <a:t>Quantify things. Frequency of data being generated? How many data points in a generation?</a:t>
+              <a:t>Datetime must be </a:t>
+            </a:r>
+            <a:r>
+              <a:rPr lang="en-US" dirty="0" err="1"/>
+              <a:t>zulu</a:t>
+            </a:r>
+            <a:r>
+              <a:rPr lang="en-US" dirty="0"/>
+              <a:t> format</a:t>
             </a:r>
           </a:p>
         </p:txBody>
@@ -36656,7 +36666,7 @@
           <a:p>
             <a:fld id="{BF9C8D97-66AF-4DFC-86F0-4411952E586A}" type="slidenum">
               <a:rPr lang="en-US" smtClean="0"/>
-              <a:t>7</a:t>
+              <a:t>8</a:t>
             </a:fld>
             <a:endParaRPr lang="en-US"/>
           </a:p>
@@ -36749,7 +36759,7 @@
           <a:p>
             <a:fld id="{BF9C8D97-66AF-4DFC-86F0-4411952E586A}" type="slidenum">
               <a:rPr lang="en-US" smtClean="0"/>
-              <a:t>8</a:t>
+              <a:t>9</a:t>
             </a:fld>
             <a:endParaRPr lang="en-US"/>
           </a:p>
@@ -36817,6 +36827,18 @@
               <a:t>I hope you like what you get because that’s it</a:t>
             </a:r>
           </a:p>
+          <a:p>
+            <a:r>
+              <a:rPr lang="en-US" dirty="0"/>
+              <a:t>No control for scale</a:t>
+            </a:r>
+          </a:p>
+          <a:p>
+            <a:r>
+              <a:rPr lang="en-US" dirty="0"/>
+              <a:t>No filtering, you send it, you get it</a:t>
+            </a:r>
+          </a:p>
         </p:txBody>
       </p:sp>
       <p:sp>
@@ -36836,7 +36858,7 @@
           <a:p>
             <a:fld id="{BF9C8D97-66AF-4DFC-86F0-4411952E586A}" type="slidenum">
               <a:rPr lang="en-US" smtClean="0"/>
-              <a:t>9</a:t>
+              <a:t>10</a:t>
             </a:fld>
             <a:endParaRPr lang="en-US"/>
           </a:p>
@@ -36913,6 +36935,15 @@
             </a:r>
           </a:p>
           <a:p>
+            <a:r>
+              <a:rPr lang="en-US" dirty="0">
+                <a:hlinkClick r:id="rId3"/>
+              </a:rPr>
+              <a:t>https://docs.microsoft.com/en-us/power-bi/service-real-time-streaming</a:t>
+            </a:r>
+            <a:endParaRPr lang="en-US" dirty="0"/>
+          </a:p>
+          <a:p>
             <a:endParaRPr lang="en-US" dirty="0"/>
           </a:p>
         </p:txBody>
@@ -36934,7 +36965,7 @@
           <a:p>
             <a:fld id="{BF9C8D97-66AF-4DFC-86F0-4411952E586A}" type="slidenum">
               <a:rPr lang="en-US" smtClean="0"/>
-              <a:t>10</a:t>
+              <a:t>11</a:t>
             </a:fld>
             <a:endParaRPr lang="en-US"/>
           </a:p>
@@ -37139,7 +37170,7 @@
             <a:fld id="{8E36636D-D922-432D-A958-524484B5923D}" type="datetimeFigureOut">
               <a:rPr lang="en-US" dirty="0"/>
               <a:pPr/>
-              <a:t>8/8/2019</a:t>
+              <a:t>8/9/2019</a:t>
             </a:fld>
             <a:endParaRPr lang="en-US" dirty="0"/>
           </a:p>
@@ -37433,7 +37464,7 @@
           <a:p>
             <a:fld id="{48A87A34-81AB-432B-8DAE-1953F412C126}" type="datetimeFigureOut">
               <a:rPr lang="en-US" dirty="0"/>
-              <a:t>8/8/2019</a:t>
+              <a:t>8/9/2019</a:t>
             </a:fld>
             <a:endParaRPr lang="en-US" dirty="0"/>
           </a:p>
@@ -37620,7 +37651,7 @@
           <a:p>
             <a:fld id="{48A87A34-81AB-432B-8DAE-1953F412C126}" type="datetimeFigureOut">
               <a:rPr lang="en-US" dirty="0"/>
-              <a:t>8/8/2019</a:t>
+              <a:t>8/9/2019</a:t>
             </a:fld>
             <a:endParaRPr lang="en-US" dirty="0"/>
           </a:p>
@@ -37876,7 +37907,7 @@
           <a:p>
             <a:fld id="{48A87A34-81AB-432B-8DAE-1953F412C126}" type="datetimeFigureOut">
               <a:rPr lang="en-US" dirty="0"/>
-              <a:t>8/8/2019</a:t>
+              <a:t>8/9/2019</a:t>
             </a:fld>
             <a:endParaRPr lang="en-US" dirty="0"/>
           </a:p>
@@ -38295,7 +38326,7 @@
           <a:p>
             <a:fld id="{48A87A34-81AB-432B-8DAE-1953F412C126}" type="datetimeFigureOut">
               <a:rPr lang="en-US" dirty="0"/>
-              <a:t>8/8/2019</a:t>
+              <a:t>8/9/2019</a:t>
             </a:fld>
             <a:endParaRPr lang="en-US" dirty="0"/>
           </a:p>
@@ -38827,7 +38858,7 @@
           <a:p>
             <a:fld id="{48A87A34-81AB-432B-8DAE-1953F412C126}" type="datetimeFigureOut">
               <a:rPr lang="en-US" dirty="0"/>
-              <a:t>8/8/2019</a:t>
+              <a:t>8/9/2019</a:t>
             </a:fld>
             <a:endParaRPr lang="en-US" dirty="0"/>
           </a:p>
@@ -39686,7 +39717,7 @@
           <a:p>
             <a:fld id="{48A87A34-81AB-432B-8DAE-1953F412C126}" type="datetimeFigureOut">
               <a:rPr lang="en-US" dirty="0"/>
-              <a:t>8/8/2019</a:t>
+              <a:t>8/9/2019</a:t>
             </a:fld>
             <a:endParaRPr lang="en-US" dirty="0"/>
           </a:p>
@@ -39852,7 +39883,7 @@
             <a:fld id="{8E36636D-D922-432D-A958-524484B5923D}" type="datetimeFigureOut">
               <a:rPr lang="en-US" dirty="0"/>
               <a:pPr/>
-              <a:t>8/8/2019</a:t>
+              <a:t>8/9/2019</a:t>
             </a:fld>
             <a:endParaRPr lang="en-US" dirty="0"/>
           </a:p>
@@ -40033,7 +40064,7 @@
             <a:fld id="{8E36636D-D922-432D-A958-524484B5923D}" type="datetimeFigureOut">
               <a:rPr lang="en-US" dirty="0"/>
               <a:pPr/>
-              <a:t>8/8/2019</a:t>
+              <a:t>8/9/2019</a:t>
             </a:fld>
             <a:endParaRPr lang="en-US" dirty="0"/>
           </a:p>
@@ -40200,7 +40231,7 @@
             <a:fld id="{8E36636D-D922-432D-A958-524484B5923D}" type="datetimeFigureOut">
               <a:rPr lang="en-US" dirty="0"/>
               <a:pPr/>
-              <a:t>8/8/2019</a:t>
+              <a:t>8/9/2019</a:t>
             </a:fld>
             <a:endParaRPr lang="en-US" dirty="0"/>
           </a:p>
@@ -40441,7 +40472,7 @@
             <a:fld id="{8E36636D-D922-432D-A958-524484B5923D}" type="datetimeFigureOut">
               <a:rPr lang="en-US" dirty="0"/>
               <a:pPr/>
-              <a:t>8/8/2019</a:t>
+              <a:t>8/9/2019</a:t>
             </a:fld>
             <a:endParaRPr lang="en-US" dirty="0"/>
           </a:p>
@@ -40674,7 +40705,7 @@
             <a:fld id="{8E36636D-D922-432D-A958-524484B5923D}" type="datetimeFigureOut">
               <a:rPr lang="en-US" dirty="0"/>
               <a:pPr/>
-              <a:t>8/8/2019</a:t>
+              <a:t>8/9/2019</a:t>
             </a:fld>
             <a:endParaRPr lang="en-US" dirty="0"/>
           </a:p>
@@ -41137,7 +41168,7 @@
             <a:fld id="{8E36636D-D922-432D-A958-524484B5923D}" type="datetimeFigureOut">
               <a:rPr lang="en-US" dirty="0"/>
               <a:pPr/>
-              <a:t>8/8/2019</a:t>
+              <a:t>8/9/2019</a:t>
             </a:fld>
             <a:endParaRPr lang="en-US" dirty="0"/>
           </a:p>
@@ -41252,7 +41283,7 @@
             <a:fld id="{8E36636D-D922-432D-A958-524484B5923D}" type="datetimeFigureOut">
               <a:rPr lang="en-US" dirty="0"/>
               <a:pPr/>
-              <a:t>8/8/2019</a:t>
+              <a:t>8/9/2019</a:t>
             </a:fld>
             <a:endParaRPr lang="en-US" dirty="0"/>
           </a:p>
@@ -41344,7 +41375,7 @@
             <a:fld id="{8E36636D-D922-432D-A958-524484B5923D}" type="datetimeFigureOut">
               <a:rPr lang="en-US" dirty="0"/>
               <a:pPr/>
-              <a:t>8/8/2019</a:t>
+              <a:t>8/9/2019</a:t>
             </a:fld>
             <a:endParaRPr lang="en-US" dirty="0"/>
           </a:p>
@@ -41596,7 +41627,7 @@
             <a:fld id="{8E36636D-D922-432D-A958-524484B5923D}" type="datetimeFigureOut">
               <a:rPr lang="en-US" dirty="0"/>
               <a:pPr/>
-              <a:t>8/8/2019</a:t>
+              <a:t>8/9/2019</a:t>
             </a:fld>
             <a:endParaRPr lang="en-US" dirty="0"/>
           </a:p>
@@ -41893,7 +41924,7 @@
             <a:fld id="{8E36636D-D922-432D-A958-524484B5923D}" type="datetimeFigureOut">
               <a:rPr lang="en-US" dirty="0"/>
               <a:pPr/>
-              <a:t>8/8/2019</a:t>
+              <a:t>8/9/2019</a:t>
             </a:fld>
             <a:endParaRPr lang="en-US" dirty="0"/>
           </a:p>
@@ -42124,7 +42155,7 @@
             <a:fld id="{8E36636D-D922-432D-A958-524484B5923D}" type="datetimeFigureOut">
               <a:rPr lang="en-US" dirty="0"/>
               <a:pPr/>
-              <a:t>8/8/2019</a:t>
+              <a:t>8/9/2019</a:t>
             </a:fld>
             <a:endParaRPr lang="en-US" dirty="0"/>
           </a:p>
@@ -42879,6 +42910,186 @@
       </p:grpSpPr>
       <p:graphicFrame>
         <p:nvGraphicFramePr>
+          <p:cNvPr id="8" name="Diagram 7">
+            <a:extLst>
+              <a:ext uri="{FF2B5EF4-FFF2-40B4-BE49-F238E27FC236}">
+                <a16:creationId xmlns:a16="http://schemas.microsoft.com/office/drawing/2014/main" id="{9E89D10B-6BD6-453D-A1B6-4EE8BA9E1F83}"/>
+              </a:ext>
+            </a:extLst>
+          </p:cNvPr>
+          <p:cNvGraphicFramePr/>
+          <p:nvPr>
+            <p:extLst>
+              <p:ext uri="{D42A27DB-BD31-4B8C-83A1-F6EECF244321}">
+                <p14:modId xmlns:p14="http://schemas.microsoft.com/office/powerpoint/2010/main" val="1913223396"/>
+              </p:ext>
+            </p:extLst>
+          </p:nvPr>
+        </p:nvGraphicFramePr>
+        <p:xfrm>
+          <a:off x="797411" y="6238750"/>
+          <a:ext cx="10353762" cy="400295"/>
+        </p:xfrm>
+        <a:graphic>
+          <a:graphicData uri="http://schemas.openxmlformats.org/drawingml/2006/diagram">
+            <dgm:relIds xmlns:dgm="http://schemas.openxmlformats.org/drawingml/2006/diagram" xmlns:r="http://schemas.openxmlformats.org/officeDocument/2006/relationships" r:dm="rId3" r:lo="rId4" r:qs="rId5" r:cs="rId6"/>
+          </a:graphicData>
+        </a:graphic>
+      </p:graphicFrame>
+      <p:sp>
+        <p:nvSpPr>
+          <p:cNvPr id="2" name="Title 1">
+            <a:extLst>
+              <a:ext uri="{FF2B5EF4-FFF2-40B4-BE49-F238E27FC236}">
+                <a16:creationId xmlns:a16="http://schemas.microsoft.com/office/drawing/2014/main" id="{98FB8CBC-048F-422C-8C46-DE2A1A7A334D}"/>
+              </a:ext>
+            </a:extLst>
+          </p:cNvPr>
+          <p:cNvSpPr>
+            <a:spLocks noGrp="1"/>
+          </p:cNvSpPr>
+          <p:nvPr>
+            <p:ph type="title"/>
+          </p:nvPr>
+        </p:nvSpPr>
+        <p:spPr/>
+        <p:txBody>
+          <a:bodyPr/>
+          <a:lstStyle/>
+          <a:p>
+            <a:r>
+              <a:rPr lang="en-US" dirty="0"/>
+              <a:t>Dashboard Design</a:t>
+            </a:r>
+          </a:p>
+        </p:txBody>
+      </p:sp>
+      <p:sp>
+        <p:nvSpPr>
+          <p:cNvPr id="3" name="Content Placeholder 2">
+            <a:extLst>
+              <a:ext uri="{FF2B5EF4-FFF2-40B4-BE49-F238E27FC236}">
+                <a16:creationId xmlns:a16="http://schemas.microsoft.com/office/drawing/2014/main" id="{3E3A5C19-15CA-453A-8D83-DF0CB0062C2A}"/>
+              </a:ext>
+            </a:extLst>
+          </p:cNvPr>
+          <p:cNvSpPr>
+            <a:spLocks noGrp="1"/>
+          </p:cNvSpPr>
+          <p:nvPr>
+            <p:ph sz="half" idx="1"/>
+          </p:nvPr>
+        </p:nvSpPr>
+        <p:spPr/>
+        <p:txBody>
+          <a:bodyPr/>
+          <a:lstStyle/>
+          <a:p>
+            <a:r>
+              <a:rPr lang="en-US" dirty="0"/>
+              <a:t>You get what you get and you don’t pitch a fit</a:t>
+            </a:r>
+          </a:p>
+        </p:txBody>
+      </p:sp>
+      <p:pic>
+        <p:nvPicPr>
+          <p:cNvPr id="10" name="Content Placeholder 9">
+            <a:extLst>
+              <a:ext uri="{FF2B5EF4-FFF2-40B4-BE49-F238E27FC236}">
+                <a16:creationId xmlns:a16="http://schemas.microsoft.com/office/drawing/2014/main" id="{2BD79A48-89AB-48E3-9855-B41E0BA3D0E5}"/>
+              </a:ext>
+            </a:extLst>
+          </p:cNvPr>
+          <p:cNvPicPr>
+            <a:picLocks noGrp="1" noChangeAspect="1"/>
+          </p:cNvPicPr>
+          <p:nvPr>
+            <p:ph sz="half" idx="2"/>
+          </p:nvPr>
+        </p:nvPicPr>
+        <p:blipFill>
+          <a:blip r:embed="rId8"/>
+          <a:stretch>
+            <a:fillRect/>
+          </a:stretch>
+        </p:blipFill>
+        <p:spPr>
+          <a:xfrm>
+            <a:off x="6202363" y="2774632"/>
+            <a:ext cx="5065712" cy="1973899"/>
+          </a:xfrm>
+        </p:spPr>
+      </p:pic>
+      <p:sp>
+        <p:nvSpPr>
+          <p:cNvPr id="11" name="Rectangle 10">
+            <a:extLst>
+              <a:ext uri="{FF2B5EF4-FFF2-40B4-BE49-F238E27FC236}">
+                <a16:creationId xmlns:a16="http://schemas.microsoft.com/office/drawing/2014/main" id="{3D55136C-8850-49B2-AC76-E22D6521388D}"/>
+              </a:ext>
+            </a:extLst>
+          </p:cNvPr>
+          <p:cNvSpPr/>
+          <p:nvPr/>
+        </p:nvSpPr>
+        <p:spPr>
+          <a:xfrm>
+            <a:off x="6217710" y="4951761"/>
+            <a:ext cx="6096000" cy="215444"/>
+          </a:xfrm>
+          <a:prstGeom prst="rect">
+            <a:avLst/>
+          </a:prstGeom>
+        </p:spPr>
+        <p:txBody>
+          <a:bodyPr>
+            <a:spAutoFit/>
+          </a:bodyPr>
+          <a:lstStyle/>
+          <a:p>
+            <a:r>
+              <a:rPr lang="en-US" sz="800" dirty="0">
+                <a:hlinkClick r:id="rId9"/>
+              </a:rPr>
+              <a:t>https://www.flickr.com/photos/britishlibrary/11303067153/in/album-72157638906393085/</a:t>
+            </a:r>
+            <a:endParaRPr lang="en-US" sz="800" dirty="0"/>
+          </a:p>
+        </p:txBody>
+      </p:sp>
+    </p:spTree>
+    <p:extLst>
+      <p:ext uri="{BB962C8B-B14F-4D97-AF65-F5344CB8AC3E}">
+        <p14:creationId xmlns:p14="http://schemas.microsoft.com/office/powerpoint/2010/main" val="3273076124"/>
+      </p:ext>
+    </p:extLst>
+  </p:cSld>
+  <p:clrMapOvr>
+    <a:masterClrMapping/>
+  </p:clrMapOvr>
+</p:sld>
+</file>
+
+<file path=ppt/slides/slide11.xml><?xml version="1.0" encoding="utf-8"?>
+<p:sld xmlns:a="http://schemas.openxmlformats.org/drawingml/2006/main" xmlns:r="http://schemas.openxmlformats.org/officeDocument/2006/relationships" xmlns:p="http://schemas.openxmlformats.org/presentationml/2006/main">
+  <p:cSld>
+    <p:spTree>
+      <p:nvGrpSpPr>
+        <p:cNvPr id="1" name=""/>
+        <p:cNvGrpSpPr/>
+        <p:nvPr/>
+      </p:nvGrpSpPr>
+      <p:grpSpPr>
+        <a:xfrm>
+          <a:off x="0" y="0"/>
+          <a:ext cx="0" cy="0"/>
+          <a:chOff x="0" y="0"/>
+          <a:chExt cx="0" cy="0"/>
+        </a:xfrm>
+      </p:grpSpPr>
+      <p:graphicFrame>
+        <p:nvGraphicFramePr>
           <p:cNvPr id="16" name="Diagram 15">
             <a:extLst>
               <a:ext uri="{FF2B5EF4-FFF2-40B4-BE49-F238E27FC236}">
@@ -42954,12 +43165,22 @@
           <a:bodyPr/>
           <a:lstStyle/>
           <a:p>
+            <a:endParaRPr lang="en-US" dirty="0"/>
+          </a:p>
+          <a:p>
+            <a:r>
+              <a:rPr lang="en-US" dirty="0"/>
+              <a:t>All you can eat, as long as you don’t eat too much</a:t>
+            </a:r>
+          </a:p>
+          <a:p>
             <a:r>
               <a:rPr lang="en-US" dirty="0"/>
               <a:t>No incantations required</a:t>
             </a:r>
           </a:p>
           <a:p>
+            <a:pPr lvl="1"/>
             <a:r>
               <a:rPr lang="en-US" dirty="0"/>
               <a:t>But possibly considered helpful</a:t>
@@ -43046,7 +43267,7 @@
 </p:sld>
 </file>
 
-<file path=ppt/slides/slide11.xml><?xml version="1.0" encoding="utf-8"?>
+<file path=ppt/slides/slide12.xml><?xml version="1.0" encoding="utf-8"?>
 <p:sld xmlns:a="http://schemas.openxmlformats.org/drawingml/2006/main" xmlns:r="http://schemas.openxmlformats.org/officeDocument/2006/relationships" xmlns:p="http://schemas.openxmlformats.org/presentationml/2006/main">
   <p:cSld>
     <p:spTree>
@@ -43084,7 +43305,131 @@
           <a:bodyPr/>
           <a:lstStyle/>
           <a:p>
-            <a:endParaRPr lang="en-US"/>
+            <a:r>
+              <a:rPr lang="en-US" dirty="0"/>
+              <a:t>Stream</a:t>
+            </a:r>
+          </a:p>
+        </p:txBody>
+      </p:sp>
+      <p:pic>
+        <p:nvPicPr>
+          <p:cNvPr id="8" name="Content Placeholder 7">
+            <a:extLst>
+              <a:ext uri="{FF2B5EF4-FFF2-40B4-BE49-F238E27FC236}">
+                <a16:creationId xmlns:a16="http://schemas.microsoft.com/office/drawing/2014/main" id="{02F13E2B-C03D-4F6E-87F1-309250AC0AD6}"/>
+              </a:ext>
+            </a:extLst>
+          </p:cNvPr>
+          <p:cNvPicPr>
+            <a:picLocks noGrp="1" noChangeAspect="1"/>
+          </p:cNvPicPr>
+          <p:nvPr>
+            <p:ph sz="half" idx="1"/>
+          </p:nvPr>
+        </p:nvPicPr>
+        <p:blipFill>
+          <a:blip r:embed="rId2"/>
+          <a:stretch>
+            <a:fillRect/>
+          </a:stretch>
+        </p:blipFill>
+        <p:spPr>
+          <a:xfrm>
+            <a:off x="914400" y="3445078"/>
+            <a:ext cx="5059363" cy="633006"/>
+          </a:xfrm>
+        </p:spPr>
+      </p:pic>
+      <p:pic>
+        <p:nvPicPr>
+          <p:cNvPr id="6" name="Content Placeholder 5">
+            <a:extLst>
+              <a:ext uri="{FF2B5EF4-FFF2-40B4-BE49-F238E27FC236}">
+                <a16:creationId xmlns:a16="http://schemas.microsoft.com/office/drawing/2014/main" id="{4D0B0D05-C51D-4F64-ABC2-1EA5A9880D09}"/>
+              </a:ext>
+            </a:extLst>
+          </p:cNvPr>
+          <p:cNvPicPr>
+            <a:picLocks noGrp="1" noChangeAspect="1"/>
+          </p:cNvPicPr>
+          <p:nvPr>
+            <p:ph sz="half" idx="2"/>
+          </p:nvPr>
+        </p:nvPicPr>
+        <p:blipFill>
+          <a:blip r:embed="rId3"/>
+          <a:stretch>
+            <a:fillRect/>
+          </a:stretch>
+        </p:blipFill>
+        <p:spPr>
+          <a:xfrm>
+            <a:off x="6849105" y="1982157"/>
+            <a:ext cx="3772227" cy="3558848"/>
+          </a:xfrm>
+        </p:spPr>
+      </p:pic>
+    </p:spTree>
+    <p:extLst>
+      <p:ext uri="{BB962C8B-B14F-4D97-AF65-F5344CB8AC3E}">
+        <p14:creationId xmlns:p14="http://schemas.microsoft.com/office/powerpoint/2010/main" val="191775975"/>
+      </p:ext>
+    </p:extLst>
+  </p:cSld>
+  <p:clrMapOvr>
+    <a:masterClrMapping/>
+  </p:clrMapOvr>
+</p:sld>
+</file>
+
+<file path=ppt/slides/slide13.xml><?xml version="1.0" encoding="utf-8"?>
+<p:sld xmlns:a="http://schemas.openxmlformats.org/drawingml/2006/main" xmlns:r="http://schemas.openxmlformats.org/officeDocument/2006/relationships" xmlns:p="http://schemas.openxmlformats.org/presentationml/2006/main">
+  <p:cSld>
+    <p:spTree>
+      <p:nvGrpSpPr>
+        <p:cNvPr id="1" name=""/>
+        <p:cNvGrpSpPr/>
+        <p:nvPr/>
+      </p:nvGrpSpPr>
+      <p:grpSpPr>
+        <a:xfrm>
+          <a:off x="0" y="0"/>
+          <a:ext cx="0" cy="0"/>
+          <a:chOff x="0" y="0"/>
+          <a:chExt cx="0" cy="0"/>
+        </a:xfrm>
+      </p:grpSpPr>
+      <p:sp>
+        <p:nvSpPr>
+          <p:cNvPr id="2" name="Title 1">
+            <a:extLst>
+              <a:ext uri="{FF2B5EF4-FFF2-40B4-BE49-F238E27FC236}">
+                <a16:creationId xmlns:a16="http://schemas.microsoft.com/office/drawing/2014/main" id="{0BC3AFF2-5207-4B2B-9CCE-268325E2F97C}"/>
+              </a:ext>
+            </a:extLst>
+          </p:cNvPr>
+          <p:cNvSpPr>
+            <a:spLocks noGrp="1"/>
+          </p:cNvSpPr>
+          <p:nvPr>
+            <p:ph type="title"/>
+          </p:nvPr>
+        </p:nvSpPr>
+        <p:spPr/>
+        <p:txBody>
+          <a:bodyPr/>
+          <a:lstStyle/>
+          <a:p>
+            <a:r>
+              <a:rPr lang="en-US" dirty="0"/>
+              <a:t>Take </a:t>
+            </a:r>
+            <a:r>
+              <a:rPr lang="en-US" dirty="0" err="1"/>
+              <a:t>aways</a:t>
+            </a:r>
+            <a:endParaRPr lang="en-US" dirty="0"/>
           </a:p>
         </p:txBody>
       </p:sp>
@@ -43093,7 +43438,7 @@
           <p:cNvPr id="3" name="Content Placeholder 2">
             <a:extLst>
               <a:ext uri="{FF2B5EF4-FFF2-40B4-BE49-F238E27FC236}">
-                <a16:creationId xmlns:a16="http://schemas.microsoft.com/office/drawing/2014/main" id="{CC4FE1AF-2A09-4F4F-B1C1-53F3F0CBD4D1}"/>
+                <a16:creationId xmlns:a16="http://schemas.microsoft.com/office/drawing/2014/main" id="{B585F8BF-48A4-4905-B1BF-4AE3C0A1A59A}"/>
               </a:ext>
             </a:extLst>
           </p:cNvPr>
@@ -43109,39 +43454,101 @@
           <a:bodyPr/>
           <a:lstStyle/>
           <a:p>
-            <a:endParaRPr lang="en-US"/>
+            <a:r>
+              <a:rPr lang="en-US" dirty="0"/>
+              <a:t>Lots of open items on UserVoice</a:t>
+            </a:r>
+          </a:p>
+          <a:p>
+            <a:r>
+              <a:rPr lang="en-US" dirty="0"/>
+              <a:t>Talk to your neighbors</a:t>
+            </a:r>
+          </a:p>
+          <a:p>
+            <a:r>
+              <a:rPr lang="en-US" dirty="0"/>
+              <a:t>Visit the sponsors</a:t>
+            </a:r>
+          </a:p>
+          <a:p>
+            <a:r>
+              <a:rPr lang="en-US" dirty="0"/>
+              <a:t>Patch your servers</a:t>
+            </a:r>
           </a:p>
         </p:txBody>
       </p:sp>
-      <p:sp>
-        <p:nvSpPr>
-          <p:cNvPr id="4" name="Content Placeholder 3">
+      <p:pic>
+        <p:nvPicPr>
+          <p:cNvPr id="7" name="Content Placeholder 6">
             <a:extLst>
               <a:ext uri="{FF2B5EF4-FFF2-40B4-BE49-F238E27FC236}">
-                <a16:creationId xmlns:a16="http://schemas.microsoft.com/office/drawing/2014/main" id="{D5CD0A8A-A4AE-44E2-B5AA-2C02BE064077}"/>
+                <a16:creationId xmlns:a16="http://schemas.microsoft.com/office/drawing/2014/main" id="{C81E68FD-F927-4D0A-B0E9-5CC2C870DE6C}"/>
               </a:ext>
             </a:extLst>
           </p:cNvPr>
-          <p:cNvSpPr>
-            <a:spLocks noGrp="1"/>
-          </p:cNvSpPr>
+          <p:cNvPicPr>
+            <a:picLocks noGrp="1" noChangeAspect="1"/>
+          </p:cNvPicPr>
           <p:nvPr>
             <p:ph sz="half" idx="2"/>
           </p:nvPr>
+        </p:nvPicPr>
+        <p:blipFill>
+          <a:blip r:embed="rId2"/>
+          <a:stretch>
+            <a:fillRect/>
+          </a:stretch>
+        </p:blipFill>
+        <p:spPr>
+          <a:xfrm>
+            <a:off x="6498993" y="1731963"/>
+            <a:ext cx="4472452" cy="4059237"/>
+          </a:xfrm>
+        </p:spPr>
+      </p:pic>
+      <p:sp>
+        <p:nvSpPr>
+          <p:cNvPr id="5" name="Rectangle 4">
+            <a:extLst>
+              <a:ext uri="{FF2B5EF4-FFF2-40B4-BE49-F238E27FC236}">
+                <a16:creationId xmlns:a16="http://schemas.microsoft.com/office/drawing/2014/main" id="{DD5DA55C-66EC-4A4F-8E36-E56558F34A88}"/>
+              </a:ext>
+            </a:extLst>
+          </p:cNvPr>
+          <p:cNvSpPr/>
+          <p:nvPr/>
         </p:nvSpPr>
-        <p:spPr/>
+        <p:spPr>
+          <a:xfrm>
+            <a:off x="6202892" y="6153150"/>
+            <a:ext cx="5064665" cy="215444"/>
+          </a:xfrm>
+          <a:prstGeom prst="rect">
+            <a:avLst/>
+          </a:prstGeom>
+        </p:spPr>
         <p:txBody>
-          <a:bodyPr/>
+          <a:bodyPr wrap="square">
+            <a:spAutoFit/>
+          </a:bodyPr>
           <a:lstStyle/>
           <a:p>
-            <a:endParaRPr lang="en-US"/>
+            <a:r>
+              <a:rPr lang="en-US" sz="800" dirty="0">
+                <a:hlinkClick r:id="rId3"/>
+              </a:rPr>
+              <a:t>https://www.flickr.com/photos/britishlibrary/11169538475/in/album-72157638906393085/</a:t>
+            </a:r>
+            <a:endParaRPr lang="en-US" sz="800" dirty="0"/>
           </a:p>
         </p:txBody>
       </p:sp>
     </p:spTree>
     <p:extLst>
       <p:ext uri="{BB962C8B-B14F-4D97-AF65-F5344CB8AC3E}">
-        <p14:creationId xmlns:p14="http://schemas.microsoft.com/office/powerpoint/2010/main" val="191775975"/>
+        <p14:creationId xmlns:p14="http://schemas.microsoft.com/office/powerpoint/2010/main" val="821799643"/>
       </p:ext>
     </p:extLst>
   </p:cSld>
@@ -43151,8 +43558,8 @@
 </p:sld>
 </file>
 
-<file path=ppt/slides/slide12.xml><?xml version="1.0" encoding="utf-8"?>
-<p:sld xmlns:a="http://schemas.openxmlformats.org/drawingml/2006/main" xmlns:r="http://schemas.openxmlformats.org/officeDocument/2006/relationships" xmlns:p="http://schemas.openxmlformats.org/presentationml/2006/main">
+<file path=ppt/slides/slide14.xml><?xml version="1.0" encoding="utf-8"?>
+<p:sld xmlns:a="http://schemas.openxmlformats.org/drawingml/2006/main" xmlns:r="http://schemas.openxmlformats.org/officeDocument/2006/relationships" xmlns:p="http://schemas.openxmlformats.org/presentationml/2006/main" show="0">
   <p:cSld>
     <p:spTree>
       <p:nvGrpSpPr>
@@ -43338,8 +43745,8 @@
 </p:sld>
 </file>
 
-<file path=ppt/slides/slide13.xml><?xml version="1.0" encoding="utf-8"?>
-<p:sld xmlns:a="http://schemas.openxmlformats.org/drawingml/2006/main" xmlns:r="http://schemas.openxmlformats.org/officeDocument/2006/relationships" xmlns:p="http://schemas.openxmlformats.org/presentationml/2006/main">
+<file path=ppt/slides/slide15.xml><?xml version="1.0" encoding="utf-8"?>
+<p:sld xmlns:a="http://schemas.openxmlformats.org/drawingml/2006/main" xmlns:r="http://schemas.openxmlformats.org/officeDocument/2006/relationships" xmlns:p="http://schemas.openxmlformats.org/presentationml/2006/main" show="0">
   <p:cSld>
     <p:spTree>
       <p:nvGrpSpPr>
@@ -43525,8 +43932,8 @@
 </p:sld>
 </file>
 
-<file path=ppt/slides/slide14.xml><?xml version="1.0" encoding="utf-8"?>
-<p:sld xmlns:a="http://schemas.openxmlformats.org/drawingml/2006/main" xmlns:r="http://schemas.openxmlformats.org/officeDocument/2006/relationships" xmlns:p="http://schemas.openxmlformats.org/presentationml/2006/main">
+<file path=ppt/slides/slide16.xml><?xml version="1.0" encoding="utf-8"?>
+<p:sld xmlns:a="http://schemas.openxmlformats.org/drawingml/2006/main" xmlns:r="http://schemas.openxmlformats.org/officeDocument/2006/relationships" xmlns:p="http://schemas.openxmlformats.org/presentationml/2006/main" show="0">
   <p:cSld>
     <p:spTree>
       <p:nvGrpSpPr>
@@ -43671,8 +44078,8 @@
 </p:sld>
 </file>
 
-<file path=ppt/slides/slide15.xml><?xml version="1.0" encoding="utf-8"?>
-<p:sld xmlns:a="http://schemas.openxmlformats.org/drawingml/2006/main" xmlns:r="http://schemas.openxmlformats.org/officeDocument/2006/relationships" xmlns:p="http://schemas.openxmlformats.org/presentationml/2006/main">
+<file path=ppt/slides/slide17.xml><?xml version="1.0" encoding="utf-8"?>
+<p:sld xmlns:a="http://schemas.openxmlformats.org/drawingml/2006/main" xmlns:r="http://schemas.openxmlformats.org/officeDocument/2006/relationships" xmlns:p="http://schemas.openxmlformats.org/presentationml/2006/main" show="0">
   <p:cSld>
     <p:spTree>
       <p:nvGrpSpPr>
@@ -44257,6 +44664,158 @@
       </p:grpSpPr>
       <p:sp>
         <p:nvSpPr>
+          <p:cNvPr id="2" name="Title 1">
+            <a:extLst>
+              <a:ext uri="{FF2B5EF4-FFF2-40B4-BE49-F238E27FC236}">
+                <a16:creationId xmlns:a16="http://schemas.microsoft.com/office/drawing/2014/main" id="{50C904A9-C645-4FCE-A996-E73F0EE22F16}"/>
+              </a:ext>
+            </a:extLst>
+          </p:cNvPr>
+          <p:cNvSpPr>
+            <a:spLocks noGrp="1"/>
+          </p:cNvSpPr>
+          <p:nvPr>
+            <p:ph type="title"/>
+          </p:nvPr>
+        </p:nvSpPr>
+        <p:spPr/>
+        <p:txBody>
+          <a:bodyPr/>
+          <a:lstStyle/>
+          <a:p>
+            <a:r>
+              <a:rPr lang="en-US" dirty="0"/>
+              <a:t>Mise </a:t>
+            </a:r>
+            <a:r>
+              <a:rPr lang="en-US" dirty="0" err="1"/>
+              <a:t>en</a:t>
+            </a:r>
+            <a:r>
+              <a:rPr lang="en-US" dirty="0"/>
+              <a:t> place</a:t>
+            </a:r>
+          </a:p>
+        </p:txBody>
+      </p:sp>
+      <p:sp>
+        <p:nvSpPr>
+          <p:cNvPr id="3" name="Content Placeholder 2">
+            <a:extLst>
+              <a:ext uri="{FF2B5EF4-FFF2-40B4-BE49-F238E27FC236}">
+                <a16:creationId xmlns:a16="http://schemas.microsoft.com/office/drawing/2014/main" id="{706F13BD-DBCF-438B-B068-AFF28C328A69}"/>
+              </a:ext>
+            </a:extLst>
+          </p:cNvPr>
+          <p:cNvSpPr>
+            <a:spLocks noGrp="1"/>
+          </p:cNvSpPr>
+          <p:nvPr>
+            <p:ph sz="half" idx="1"/>
+          </p:nvPr>
+        </p:nvSpPr>
+        <p:spPr/>
+        <p:txBody>
+          <a:bodyPr/>
+          <a:lstStyle/>
+          <a:p>
+            <a:r>
+              <a:rPr lang="en-US" dirty="0">
+                <a:effectLst/>
+              </a:rPr>
+              <a:t>Create a Power BI account if you don't already have one. It's free. </a:t>
+            </a:r>
+          </a:p>
+          <a:p>
+            <a:r>
+              <a:rPr lang="en-US" dirty="0">
+                <a:effectLst/>
+              </a:rPr>
+              <a:t>If you want someone else to see your report, you will need a Power BI Pro license, which is $10 a month.</a:t>
+            </a:r>
+          </a:p>
+          <a:p>
+            <a:r>
+              <a:rPr lang="en-US" dirty="0">
+                <a:effectLst/>
+              </a:rPr>
+              <a:t>You can only create streaming datasets and the dashboards that consume them via the PBI Service, aka powerbi.com</a:t>
+            </a:r>
+          </a:p>
+          <a:p>
+            <a:endParaRPr lang="en-US" dirty="0"/>
+          </a:p>
+        </p:txBody>
+      </p:sp>
+      <p:sp>
+        <p:nvSpPr>
+          <p:cNvPr id="4" name="Content Placeholder 3">
+            <a:extLst>
+              <a:ext uri="{FF2B5EF4-FFF2-40B4-BE49-F238E27FC236}">
+                <a16:creationId xmlns:a16="http://schemas.microsoft.com/office/drawing/2014/main" id="{4DBC6F18-8282-44FF-9455-C388E0F746B6}"/>
+              </a:ext>
+            </a:extLst>
+          </p:cNvPr>
+          <p:cNvSpPr>
+            <a:spLocks noGrp="1"/>
+          </p:cNvSpPr>
+          <p:nvPr>
+            <p:ph sz="half" idx="2"/>
+          </p:nvPr>
+        </p:nvSpPr>
+        <p:spPr/>
+        <p:txBody>
+          <a:bodyPr/>
+          <a:lstStyle/>
+          <a:p>
+            <a:r>
+              <a:rPr lang="en-US" dirty="0"/>
+              <a:t>Microsoft Power BI Desktop (aka MSI)</a:t>
+            </a:r>
+          </a:p>
+          <a:p>
+            <a:r>
+              <a:rPr lang="en-US" dirty="0"/>
+              <a:t>Power BI Desktop (Universal App via windows store)</a:t>
+            </a:r>
+          </a:p>
+          <a:p>
+            <a:endParaRPr lang="en-US" dirty="0"/>
+          </a:p>
+        </p:txBody>
+      </p:sp>
+    </p:spTree>
+    <p:extLst>
+      <p:ext uri="{BB962C8B-B14F-4D97-AF65-F5344CB8AC3E}">
+        <p14:creationId xmlns:p14="http://schemas.microsoft.com/office/powerpoint/2010/main" val="3146390751"/>
+      </p:ext>
+    </p:extLst>
+  </p:cSld>
+  <p:clrMapOvr>
+    <a:masterClrMapping/>
+  </p:clrMapOvr>
+</p:sld>
+</file>
+
+<file path=ppt/slides/slide5.xml><?xml version="1.0" encoding="utf-8"?>
+<p:sld xmlns:a="http://schemas.openxmlformats.org/drawingml/2006/main" xmlns:r="http://schemas.openxmlformats.org/officeDocument/2006/relationships" xmlns:p="http://schemas.openxmlformats.org/presentationml/2006/main">
+  <p:cSld>
+    <p:spTree>
+      <p:nvGrpSpPr>
+        <p:cNvPr id="1" name=""/>
+        <p:cNvGrpSpPr/>
+        <p:nvPr/>
+      </p:nvGrpSpPr>
+      <p:grpSpPr>
+        <a:xfrm>
+          <a:off x="0" y="0"/>
+          <a:ext cx="0" cy="0"/>
+          <a:chOff x="0" y="0"/>
+          <a:chExt cx="0" cy="0"/>
+        </a:xfrm>
+      </p:grpSpPr>
+      <p:sp>
+        <p:nvSpPr>
           <p:cNvPr id="5" name="Title 4">
             <a:extLst>
               <a:ext uri="{FF2B5EF4-FFF2-40B4-BE49-F238E27FC236}">
@@ -44376,7 +44935,7 @@
 </p:sld>
 </file>
 
-<file path=ppt/slides/slide5.xml><?xml version="1.0" encoding="utf-8"?>
+<file path=ppt/slides/slide6.xml><?xml version="1.0" encoding="utf-8"?>
 <p:sld xmlns:a="http://schemas.openxmlformats.org/drawingml/2006/main" xmlns:r="http://schemas.openxmlformats.org/officeDocument/2006/relationships" xmlns:p="http://schemas.openxmlformats.org/presentationml/2006/main">
   <p:cSld>
     <p:spTree>
@@ -44582,7 +45141,7 @@
 </p:sld>
 </file>
 
-<file path=ppt/slides/slide6.xml><?xml version="1.0" encoding="utf-8"?>
+<file path=ppt/slides/slide7.xml><?xml version="1.0" encoding="utf-8"?>
 <p:sld xmlns:a="http://schemas.openxmlformats.org/drawingml/2006/main" xmlns:r="http://schemas.openxmlformats.org/officeDocument/2006/relationships" xmlns:p="http://schemas.openxmlformats.org/presentationml/2006/main">
   <p:cSld>
     <p:spTree>
@@ -44762,7 +45321,7 @@
 </p:sld>
 </file>
 
-<file path=ppt/slides/slide7.xml><?xml version="1.0" encoding="utf-8"?>
+<file path=ppt/slides/slide8.xml><?xml version="1.0" encoding="utf-8"?>
 <p:sld xmlns:a="http://schemas.openxmlformats.org/drawingml/2006/main" xmlns:r="http://schemas.openxmlformats.org/officeDocument/2006/relationships" xmlns:p="http://schemas.openxmlformats.org/presentationml/2006/main">
   <p:cSld>
     <p:spTree>
@@ -44948,7 +45507,7 @@
 </p:sld>
 </file>
 
-<file path=ppt/slides/slide8.xml><?xml version="1.0" encoding="utf-8"?>
+<file path=ppt/slides/slide9.xml><?xml version="1.0" encoding="utf-8"?>
 <p:sld xmlns:a="http://schemas.openxmlformats.org/drawingml/2006/main" xmlns:r="http://schemas.openxmlformats.org/officeDocument/2006/relationships" xmlns:p="http://schemas.openxmlformats.org/presentationml/2006/main">
   <p:cSld>
     <p:spTree>
@@ -45083,186 +45642,6 @@
     <p:extLst>
       <p:ext uri="{BB962C8B-B14F-4D97-AF65-F5344CB8AC3E}">
         <p14:creationId xmlns:p14="http://schemas.microsoft.com/office/powerpoint/2010/main" val="3611166798"/>
-      </p:ext>
-    </p:extLst>
-  </p:cSld>
-  <p:clrMapOvr>
-    <a:masterClrMapping/>
-  </p:clrMapOvr>
-</p:sld>
-</file>
-
-<file path=ppt/slides/slide9.xml><?xml version="1.0" encoding="utf-8"?>
-<p:sld xmlns:a="http://schemas.openxmlformats.org/drawingml/2006/main" xmlns:r="http://schemas.openxmlformats.org/officeDocument/2006/relationships" xmlns:p="http://schemas.openxmlformats.org/presentationml/2006/main">
-  <p:cSld>
-    <p:spTree>
-      <p:nvGrpSpPr>
-        <p:cNvPr id="1" name=""/>
-        <p:cNvGrpSpPr/>
-        <p:nvPr/>
-      </p:nvGrpSpPr>
-      <p:grpSpPr>
-        <a:xfrm>
-          <a:off x="0" y="0"/>
-          <a:ext cx="0" cy="0"/>
-          <a:chOff x="0" y="0"/>
-          <a:chExt cx="0" cy="0"/>
-        </a:xfrm>
-      </p:grpSpPr>
-      <p:graphicFrame>
-        <p:nvGraphicFramePr>
-          <p:cNvPr id="8" name="Diagram 7">
-            <a:extLst>
-              <a:ext uri="{FF2B5EF4-FFF2-40B4-BE49-F238E27FC236}">
-                <a16:creationId xmlns:a16="http://schemas.microsoft.com/office/drawing/2014/main" id="{9E89D10B-6BD6-453D-A1B6-4EE8BA9E1F83}"/>
-              </a:ext>
-            </a:extLst>
-          </p:cNvPr>
-          <p:cNvGraphicFramePr/>
-          <p:nvPr>
-            <p:extLst>
-              <p:ext uri="{D42A27DB-BD31-4B8C-83A1-F6EECF244321}">
-                <p14:modId xmlns:p14="http://schemas.microsoft.com/office/powerpoint/2010/main" val="1913223396"/>
-              </p:ext>
-            </p:extLst>
-          </p:nvPr>
-        </p:nvGraphicFramePr>
-        <p:xfrm>
-          <a:off x="797411" y="6238750"/>
-          <a:ext cx="10353762" cy="400295"/>
-        </p:xfrm>
-        <a:graphic>
-          <a:graphicData uri="http://schemas.openxmlformats.org/drawingml/2006/diagram">
-            <dgm:relIds xmlns:dgm="http://schemas.openxmlformats.org/drawingml/2006/diagram" xmlns:r="http://schemas.openxmlformats.org/officeDocument/2006/relationships" r:dm="rId3" r:lo="rId4" r:qs="rId5" r:cs="rId6"/>
-          </a:graphicData>
-        </a:graphic>
-      </p:graphicFrame>
-      <p:sp>
-        <p:nvSpPr>
-          <p:cNvPr id="2" name="Title 1">
-            <a:extLst>
-              <a:ext uri="{FF2B5EF4-FFF2-40B4-BE49-F238E27FC236}">
-                <a16:creationId xmlns:a16="http://schemas.microsoft.com/office/drawing/2014/main" id="{98FB8CBC-048F-422C-8C46-DE2A1A7A334D}"/>
-              </a:ext>
-            </a:extLst>
-          </p:cNvPr>
-          <p:cNvSpPr>
-            <a:spLocks noGrp="1"/>
-          </p:cNvSpPr>
-          <p:nvPr>
-            <p:ph type="title"/>
-          </p:nvPr>
-        </p:nvSpPr>
-        <p:spPr/>
-        <p:txBody>
-          <a:bodyPr/>
-          <a:lstStyle/>
-          <a:p>
-            <a:r>
-              <a:rPr lang="en-US" dirty="0"/>
-              <a:t>Dashboard Design</a:t>
-            </a:r>
-          </a:p>
-        </p:txBody>
-      </p:sp>
-      <p:sp>
-        <p:nvSpPr>
-          <p:cNvPr id="3" name="Content Placeholder 2">
-            <a:extLst>
-              <a:ext uri="{FF2B5EF4-FFF2-40B4-BE49-F238E27FC236}">
-                <a16:creationId xmlns:a16="http://schemas.microsoft.com/office/drawing/2014/main" id="{3E3A5C19-15CA-453A-8D83-DF0CB0062C2A}"/>
-              </a:ext>
-            </a:extLst>
-          </p:cNvPr>
-          <p:cNvSpPr>
-            <a:spLocks noGrp="1"/>
-          </p:cNvSpPr>
-          <p:nvPr>
-            <p:ph sz="half" idx="1"/>
-          </p:nvPr>
-        </p:nvSpPr>
-        <p:spPr/>
-        <p:txBody>
-          <a:bodyPr/>
-          <a:lstStyle/>
-          <a:p>
-            <a:r>
-              <a:rPr lang="en-US" dirty="0"/>
-              <a:t>You get what you get and you don’t pitch a fit</a:t>
-            </a:r>
-          </a:p>
-        </p:txBody>
-      </p:sp>
-      <p:pic>
-        <p:nvPicPr>
-          <p:cNvPr id="10" name="Content Placeholder 9">
-            <a:extLst>
-              <a:ext uri="{FF2B5EF4-FFF2-40B4-BE49-F238E27FC236}">
-                <a16:creationId xmlns:a16="http://schemas.microsoft.com/office/drawing/2014/main" id="{2BD79A48-89AB-48E3-9855-B41E0BA3D0E5}"/>
-              </a:ext>
-            </a:extLst>
-          </p:cNvPr>
-          <p:cNvPicPr>
-            <a:picLocks noGrp="1" noChangeAspect="1"/>
-          </p:cNvPicPr>
-          <p:nvPr>
-            <p:ph sz="half" idx="2"/>
-          </p:nvPr>
-        </p:nvPicPr>
-        <p:blipFill>
-          <a:blip r:embed="rId8"/>
-          <a:stretch>
-            <a:fillRect/>
-          </a:stretch>
-        </p:blipFill>
-        <p:spPr>
-          <a:xfrm>
-            <a:off x="6202363" y="2774632"/>
-            <a:ext cx="5065712" cy="1973899"/>
-          </a:xfrm>
-        </p:spPr>
-      </p:pic>
-      <p:sp>
-        <p:nvSpPr>
-          <p:cNvPr id="11" name="Rectangle 10">
-            <a:extLst>
-              <a:ext uri="{FF2B5EF4-FFF2-40B4-BE49-F238E27FC236}">
-                <a16:creationId xmlns:a16="http://schemas.microsoft.com/office/drawing/2014/main" id="{3D55136C-8850-49B2-AC76-E22D6521388D}"/>
-              </a:ext>
-            </a:extLst>
-          </p:cNvPr>
-          <p:cNvSpPr/>
-          <p:nvPr/>
-        </p:nvSpPr>
-        <p:spPr>
-          <a:xfrm>
-            <a:off x="6217710" y="4951761"/>
-            <a:ext cx="6096000" cy="215444"/>
-          </a:xfrm>
-          <a:prstGeom prst="rect">
-            <a:avLst/>
-          </a:prstGeom>
-        </p:spPr>
-        <p:txBody>
-          <a:bodyPr>
-            <a:spAutoFit/>
-          </a:bodyPr>
-          <a:lstStyle/>
-          <a:p>
-            <a:r>
-              <a:rPr lang="en-US" sz="800" dirty="0">
-                <a:hlinkClick r:id="rId9"/>
-              </a:rPr>
-              <a:t>https://www.flickr.com/photos/britishlibrary/11303067153/in/album-72157638906393085/</a:t>
-            </a:r>
-            <a:endParaRPr lang="en-US" sz="800" dirty="0"/>
-          </a:p>
-        </p:txBody>
-      </p:sp>
-    </p:spTree>
-    <p:extLst>
-      <p:ext uri="{BB962C8B-B14F-4D97-AF65-F5344CB8AC3E}">
-        <p14:creationId xmlns:p14="http://schemas.microsoft.com/office/powerpoint/2010/main" val="3273076124"/>
       </p:ext>
     </p:extLst>
   </p:cSld>
